--- a/Technology Competition.pptx
+++ b/Technology Competition.pptx
@@ -7,6 +7,8 @@
   <p:sldIdLst>
     <p:sldId id="256" r:id="rId2"/>
     <p:sldId id="257" r:id="rId3"/>
+    <p:sldId id="258" r:id="rId4"/>
+    <p:sldId id="259" r:id="rId5"/>
   </p:sldIdLst>
   <p:sldSz cx="9144000" cy="6858000" type="screen4x3"/>
   <p:notesSz cx="6858000" cy="9144000"/>
@@ -3163,6 +3165,13 @@
   <p:clrMapOvr>
     <a:masterClrMapping/>
   </p:clrMapOvr>
+  <p:timing>
+    <p:tnLst>
+      <p:par>
+        <p:cTn id="1" dur="indefinite" restart="never" nodeType="tmRoot"/>
+      </p:par>
+    </p:tnLst>
+  </p:timing>
 </p:sld>
 </file>
 
@@ -3573,6 +3582,1553 @@
   <p:clrMapOvr>
     <a:masterClrMapping/>
   </p:clrMapOvr>
+  <p:timing>
+    <p:tnLst>
+      <p:par>
+        <p:cTn id="1" dur="indefinite" restart="never" nodeType="tmRoot"/>
+      </p:par>
+    </p:tnLst>
+  </p:timing>
+</p:sld>
+</file>
+
+<file path=ppt/slides/slide3.xml><?xml version="1.0" encoding="utf-8"?>
+<p:sld xmlns:a="http://schemas.openxmlformats.org/drawingml/2006/main" xmlns:r="http://schemas.openxmlformats.org/officeDocument/2006/relationships" xmlns:p="http://schemas.openxmlformats.org/presentationml/2006/main">
+  <p:cSld>
+    <p:spTree>
+      <p:nvGrpSpPr>
+        <p:cNvPr id="1" name=""/>
+        <p:cNvGrpSpPr/>
+        <p:nvPr/>
+      </p:nvGrpSpPr>
+      <p:grpSpPr>
+        <a:xfrm>
+          <a:off x="0" y="0"/>
+          <a:ext cx="0" cy="0"/>
+          <a:chOff x="0" y="0"/>
+          <a:chExt cx="0" cy="0"/>
+        </a:xfrm>
+      </p:grpSpPr>
+      <p:sp>
+        <p:nvSpPr>
+          <p:cNvPr id="4" name="Rectangle 3"/>
+          <p:cNvSpPr/>
+          <p:nvPr/>
+        </p:nvSpPr>
+        <p:spPr>
+          <a:xfrm>
+            <a:off x="2019300" y="534265"/>
+            <a:ext cx="1295400" cy="685800"/>
+          </a:xfrm>
+          <a:prstGeom prst="rect">
+            <a:avLst/>
+          </a:prstGeom>
+        </p:spPr>
+        <p:style>
+          <a:lnRef idx="2">
+            <a:schemeClr val="accent1"/>
+          </a:lnRef>
+          <a:fillRef idx="1">
+            <a:schemeClr val="lt1"/>
+          </a:fillRef>
+          <a:effectRef idx="0">
+            <a:schemeClr val="accent1"/>
+          </a:effectRef>
+          <a:fontRef idx="minor">
+            <a:schemeClr val="dk1"/>
+          </a:fontRef>
+        </p:style>
+        <p:txBody>
+          <a:bodyPr rtlCol="0" anchor="ctr"/>
+          <a:lstStyle/>
+          <a:p>
+            <a:pPr algn="ctr"/>
+            <a:r>
+              <a:rPr lang="en-US" sz="1200" dirty="0" smtClean="0"/>
+              <a:t>Read  </a:t>
+            </a:r>
+            <a:r>
+              <a:rPr lang="en-US" sz="1200" dirty="0" smtClean="0"/>
+              <a:t>puzzle </a:t>
+            </a:r>
+            <a:r>
+              <a:rPr lang="en-US" sz="1200" dirty="0" smtClean="0"/>
+              <a:t>JSON for the puzzle</a:t>
+            </a:r>
+            <a:endParaRPr lang="en-US" sz="1200" dirty="0"/>
+          </a:p>
+        </p:txBody>
+      </p:sp>
+      <p:sp>
+        <p:nvSpPr>
+          <p:cNvPr id="5" name="Rectangle 4"/>
+          <p:cNvSpPr/>
+          <p:nvPr/>
+        </p:nvSpPr>
+        <p:spPr>
+          <a:xfrm>
+            <a:off x="228600" y="534265"/>
+            <a:ext cx="1295400" cy="685800"/>
+          </a:xfrm>
+          <a:prstGeom prst="rect">
+            <a:avLst/>
+          </a:prstGeom>
+        </p:spPr>
+        <p:style>
+          <a:lnRef idx="2">
+            <a:schemeClr val="accent1"/>
+          </a:lnRef>
+          <a:fillRef idx="1">
+            <a:schemeClr val="lt1"/>
+          </a:fillRef>
+          <a:effectRef idx="0">
+            <a:schemeClr val="accent1"/>
+          </a:effectRef>
+          <a:fontRef idx="minor">
+            <a:schemeClr val="dk1"/>
+          </a:fontRef>
+        </p:style>
+        <p:txBody>
+          <a:bodyPr rtlCol="0" anchor="ctr"/>
+          <a:lstStyle/>
+          <a:p>
+            <a:pPr algn="ctr"/>
+            <a:r>
+              <a:rPr lang="en-US" sz="1200" dirty="0" smtClean="0"/>
+              <a:t>Find Puzzle Number</a:t>
+            </a:r>
+            <a:endParaRPr lang="en-US" sz="1200" dirty="0"/>
+          </a:p>
+        </p:txBody>
+      </p:sp>
+      <p:sp>
+        <p:nvSpPr>
+          <p:cNvPr id="6" name="Rectangle 5"/>
+          <p:cNvSpPr/>
+          <p:nvPr/>
+        </p:nvSpPr>
+        <p:spPr>
+          <a:xfrm>
+            <a:off x="3848100" y="534265"/>
+            <a:ext cx="1295400" cy="685800"/>
+          </a:xfrm>
+          <a:prstGeom prst="rect">
+            <a:avLst/>
+          </a:prstGeom>
+        </p:spPr>
+        <p:style>
+          <a:lnRef idx="2">
+            <a:schemeClr val="accent1"/>
+          </a:lnRef>
+          <a:fillRef idx="1">
+            <a:schemeClr val="lt1"/>
+          </a:fillRef>
+          <a:effectRef idx="0">
+            <a:schemeClr val="accent1"/>
+          </a:effectRef>
+          <a:fontRef idx="minor">
+            <a:schemeClr val="dk1"/>
+          </a:fontRef>
+        </p:style>
+        <p:txBody>
+          <a:bodyPr rtlCol="0" anchor="ctr"/>
+          <a:lstStyle/>
+          <a:p>
+            <a:pPr algn="ctr"/>
+            <a:r>
+              <a:rPr lang="en-US" sz="1200" dirty="0" smtClean="0"/>
+              <a:t>Find </a:t>
+            </a:r>
+            <a:r>
+              <a:rPr lang="en-US" sz="1200" dirty="0" smtClean="0"/>
+              <a:t>options and answer</a:t>
+            </a:r>
+            <a:endParaRPr lang="en-US" sz="1200" dirty="0"/>
+          </a:p>
+        </p:txBody>
+      </p:sp>
+      <p:cxnSp>
+        <p:nvCxnSpPr>
+          <p:cNvPr id="8" name="Straight Arrow Connector 7"/>
+          <p:cNvCxnSpPr/>
+          <p:nvPr/>
+        </p:nvCxnSpPr>
+        <p:spPr>
+          <a:xfrm>
+            <a:off x="1524000" y="877165"/>
+            <a:ext cx="495300" cy="0"/>
+          </a:xfrm>
+          <a:prstGeom prst="straightConnector1">
+            <a:avLst/>
+          </a:prstGeom>
+          <a:ln>
+            <a:tailEnd type="arrow"/>
+          </a:ln>
+        </p:spPr>
+        <p:style>
+          <a:lnRef idx="1">
+            <a:schemeClr val="accent1"/>
+          </a:lnRef>
+          <a:fillRef idx="0">
+            <a:schemeClr val="accent1"/>
+          </a:fillRef>
+          <a:effectRef idx="0">
+            <a:schemeClr val="accent1"/>
+          </a:effectRef>
+          <a:fontRef idx="minor">
+            <a:schemeClr val="tx1"/>
+          </a:fontRef>
+        </p:style>
+      </p:cxnSp>
+      <p:cxnSp>
+        <p:nvCxnSpPr>
+          <p:cNvPr id="14" name="Straight Arrow Connector 13"/>
+          <p:cNvCxnSpPr/>
+          <p:nvPr/>
+        </p:nvCxnSpPr>
+        <p:spPr>
+          <a:xfrm>
+            <a:off x="3314700" y="877165"/>
+            <a:ext cx="533400" cy="0"/>
+          </a:xfrm>
+          <a:prstGeom prst="straightConnector1">
+            <a:avLst/>
+          </a:prstGeom>
+          <a:ln>
+            <a:tailEnd type="arrow"/>
+          </a:ln>
+        </p:spPr>
+        <p:style>
+          <a:lnRef idx="1">
+            <a:schemeClr val="accent1"/>
+          </a:lnRef>
+          <a:fillRef idx="0">
+            <a:schemeClr val="accent1"/>
+          </a:fillRef>
+          <a:effectRef idx="0">
+            <a:schemeClr val="accent1"/>
+          </a:effectRef>
+          <a:fontRef idx="minor">
+            <a:schemeClr val="tx1"/>
+          </a:fontRef>
+        </p:style>
+      </p:cxnSp>
+      <p:sp>
+        <p:nvSpPr>
+          <p:cNvPr id="30" name="Rectangle 29"/>
+          <p:cNvSpPr/>
+          <p:nvPr/>
+        </p:nvSpPr>
+        <p:spPr>
+          <a:xfrm>
+            <a:off x="5676900" y="516080"/>
+            <a:ext cx="1295400" cy="685800"/>
+          </a:xfrm>
+          <a:prstGeom prst="rect">
+            <a:avLst/>
+          </a:prstGeom>
+        </p:spPr>
+        <p:style>
+          <a:lnRef idx="2">
+            <a:schemeClr val="accent1"/>
+          </a:lnRef>
+          <a:fillRef idx="1">
+            <a:schemeClr val="lt1"/>
+          </a:fillRef>
+          <a:effectRef idx="0">
+            <a:schemeClr val="accent1"/>
+          </a:effectRef>
+          <a:fontRef idx="minor">
+            <a:schemeClr val="dk1"/>
+          </a:fontRef>
+        </p:style>
+        <p:txBody>
+          <a:bodyPr rtlCol="0" anchor="ctr"/>
+          <a:lstStyle/>
+          <a:p>
+            <a:pPr algn="ctr"/>
+            <a:r>
+              <a:rPr lang="en-US" sz="1200" dirty="0" smtClean="0"/>
+              <a:t>Draw Options in the Room</a:t>
+            </a:r>
+            <a:endParaRPr lang="en-US" sz="1200" dirty="0"/>
+          </a:p>
+        </p:txBody>
+      </p:sp>
+      <p:cxnSp>
+        <p:nvCxnSpPr>
+          <p:cNvPr id="32" name="Straight Arrow Connector 31"/>
+          <p:cNvCxnSpPr>
+            <a:endCxn id="30" idx="1"/>
+          </p:cNvCxnSpPr>
+          <p:nvPr/>
+        </p:nvCxnSpPr>
+        <p:spPr>
+          <a:xfrm flipV="1">
+            <a:off x="5143500" y="858980"/>
+            <a:ext cx="533400" cy="18185"/>
+          </a:xfrm>
+          <a:prstGeom prst="straightConnector1">
+            <a:avLst/>
+          </a:prstGeom>
+          <a:ln>
+            <a:tailEnd type="arrow"/>
+          </a:ln>
+        </p:spPr>
+        <p:style>
+          <a:lnRef idx="1">
+            <a:schemeClr val="accent1"/>
+          </a:lnRef>
+          <a:fillRef idx="0">
+            <a:schemeClr val="accent1"/>
+          </a:fillRef>
+          <a:effectRef idx="0">
+            <a:schemeClr val="accent1"/>
+          </a:effectRef>
+          <a:fontRef idx="minor">
+            <a:schemeClr val="tx1"/>
+          </a:fontRef>
+        </p:style>
+      </p:cxnSp>
+    </p:spTree>
+    <p:extLst>
+      <p:ext uri="{BB962C8B-B14F-4D97-AF65-F5344CB8AC3E}">
+        <p14:creationId xmlns:p14="http://schemas.microsoft.com/office/powerpoint/2010/main" val="2711368847"/>
+      </p:ext>
+    </p:extLst>
+  </p:cSld>
+  <p:clrMapOvr>
+    <a:masterClrMapping/>
+  </p:clrMapOvr>
+  <p:timing>
+    <p:tnLst>
+      <p:par>
+        <p:cTn id="1" dur="indefinite" restart="never" nodeType="tmRoot"/>
+      </p:par>
+    </p:tnLst>
+  </p:timing>
+</p:sld>
+</file>
+
+<file path=ppt/slides/slide4.xml><?xml version="1.0" encoding="utf-8"?>
+<p:sld xmlns:a="http://schemas.openxmlformats.org/drawingml/2006/main" xmlns:r="http://schemas.openxmlformats.org/officeDocument/2006/relationships" xmlns:p="http://schemas.openxmlformats.org/presentationml/2006/main">
+  <p:cSld>
+    <p:spTree>
+      <p:nvGrpSpPr>
+        <p:cNvPr id="1" name=""/>
+        <p:cNvGrpSpPr/>
+        <p:nvPr/>
+      </p:nvGrpSpPr>
+      <p:grpSpPr>
+        <a:xfrm>
+          <a:off x="0" y="0"/>
+          <a:ext cx="0" cy="0"/>
+          <a:chOff x="0" y="0"/>
+          <a:chExt cx="0" cy="0"/>
+        </a:xfrm>
+      </p:grpSpPr>
+      <p:sp>
+        <p:nvSpPr>
+          <p:cNvPr id="4" name="Rectangle 3"/>
+          <p:cNvSpPr/>
+          <p:nvPr/>
+        </p:nvSpPr>
+        <p:spPr>
+          <a:xfrm>
+            <a:off x="790574" y="2286000"/>
+            <a:ext cx="1295400" cy="685800"/>
+          </a:xfrm>
+          <a:prstGeom prst="rect">
+            <a:avLst/>
+          </a:prstGeom>
+        </p:spPr>
+        <p:style>
+          <a:lnRef idx="2">
+            <a:schemeClr val="accent1"/>
+          </a:lnRef>
+          <a:fillRef idx="1">
+            <a:schemeClr val="lt1"/>
+          </a:fillRef>
+          <a:effectRef idx="0">
+            <a:schemeClr val="accent1"/>
+          </a:effectRef>
+          <a:fontRef idx="minor">
+            <a:schemeClr val="dk1"/>
+          </a:fontRef>
+        </p:style>
+        <p:txBody>
+          <a:bodyPr rtlCol="0" anchor="ctr"/>
+          <a:lstStyle/>
+          <a:p>
+            <a:pPr algn="ctr"/>
+            <a:r>
+              <a:rPr lang="en-US" sz="1200" dirty="0" smtClean="0"/>
+              <a:t>Close Game</a:t>
+            </a:r>
+            <a:endParaRPr lang="en-US" sz="1200" dirty="0"/>
+          </a:p>
+        </p:txBody>
+      </p:sp>
+      <p:sp>
+        <p:nvSpPr>
+          <p:cNvPr id="5" name="Rectangle 4"/>
+          <p:cNvSpPr/>
+          <p:nvPr/>
+        </p:nvSpPr>
+        <p:spPr>
+          <a:xfrm>
+            <a:off x="4015821" y="304800"/>
+            <a:ext cx="1295400" cy="685800"/>
+          </a:xfrm>
+          <a:prstGeom prst="rect">
+            <a:avLst/>
+          </a:prstGeom>
+        </p:spPr>
+        <p:style>
+          <a:lnRef idx="2">
+            <a:schemeClr val="accent1"/>
+          </a:lnRef>
+          <a:fillRef idx="1">
+            <a:schemeClr val="lt1"/>
+          </a:fillRef>
+          <a:effectRef idx="0">
+            <a:schemeClr val="accent1"/>
+          </a:effectRef>
+          <a:fontRef idx="minor">
+            <a:schemeClr val="dk1"/>
+          </a:fontRef>
+        </p:style>
+        <p:txBody>
+          <a:bodyPr rtlCol="0" anchor="ctr"/>
+          <a:lstStyle/>
+          <a:p>
+            <a:pPr algn="ctr"/>
+            <a:r>
+              <a:rPr lang="en-US" sz="1200" dirty="0" smtClean="0"/>
+              <a:t>Receive User Input</a:t>
+            </a:r>
+            <a:endParaRPr lang="en-US" sz="1200" dirty="0"/>
+          </a:p>
+        </p:txBody>
+      </p:sp>
+      <p:sp>
+        <p:nvSpPr>
+          <p:cNvPr id="2" name="Flowchart: Decision 1"/>
+          <p:cNvSpPr/>
+          <p:nvPr/>
+        </p:nvSpPr>
+        <p:spPr>
+          <a:xfrm>
+            <a:off x="4015821" y="1381125"/>
+            <a:ext cx="1295400" cy="914400"/>
+          </a:xfrm>
+          <a:prstGeom prst="flowChartDecision">
+            <a:avLst/>
+          </a:prstGeom>
+        </p:spPr>
+        <p:style>
+          <a:lnRef idx="2">
+            <a:schemeClr val="accent1"/>
+          </a:lnRef>
+          <a:fillRef idx="1">
+            <a:schemeClr val="lt1"/>
+          </a:fillRef>
+          <a:effectRef idx="0">
+            <a:schemeClr val="accent1"/>
+          </a:effectRef>
+          <a:fontRef idx="minor">
+            <a:schemeClr val="dk1"/>
+          </a:fontRef>
+        </p:style>
+        <p:txBody>
+          <a:bodyPr rtlCol="0" anchor="ctr"/>
+          <a:lstStyle/>
+          <a:p>
+            <a:pPr algn="ctr"/>
+            <a:r>
+              <a:rPr lang="en-US" sz="1200" dirty="0" smtClean="0"/>
+              <a:t>Check Input?</a:t>
+            </a:r>
+            <a:endParaRPr lang="en-US" sz="1200" dirty="0"/>
+          </a:p>
+        </p:txBody>
+      </p:sp>
+      <p:cxnSp>
+        <p:nvCxnSpPr>
+          <p:cNvPr id="9" name="Elbow Connector 8"/>
+          <p:cNvCxnSpPr>
+            <a:stCxn id="2" idx="1"/>
+            <a:endCxn id="4" idx="0"/>
+          </p:cNvCxnSpPr>
+          <p:nvPr/>
+        </p:nvCxnSpPr>
+        <p:spPr>
+          <a:xfrm rot="10800000" flipV="1">
+            <a:off x="1438275" y="1838324"/>
+            <a:ext cx="2577547" cy="447675"/>
+          </a:xfrm>
+          <a:prstGeom prst="bentConnector2">
+            <a:avLst/>
+          </a:prstGeom>
+          <a:ln>
+            <a:tailEnd type="arrow"/>
+          </a:ln>
+        </p:spPr>
+        <p:style>
+          <a:lnRef idx="1">
+            <a:schemeClr val="accent1"/>
+          </a:lnRef>
+          <a:fillRef idx="0">
+            <a:schemeClr val="accent1"/>
+          </a:fillRef>
+          <a:effectRef idx="0">
+            <a:schemeClr val="accent1"/>
+          </a:effectRef>
+          <a:fontRef idx="minor">
+            <a:schemeClr val="tx1"/>
+          </a:fontRef>
+        </p:style>
+      </p:cxnSp>
+      <p:sp>
+        <p:nvSpPr>
+          <p:cNvPr id="11" name="TextBox 10"/>
+          <p:cNvSpPr txBox="1"/>
+          <p:nvPr/>
+        </p:nvSpPr>
+        <p:spPr>
+          <a:xfrm>
+            <a:off x="3181972" y="1524000"/>
+            <a:ext cx="410818" cy="276999"/>
+          </a:xfrm>
+          <a:prstGeom prst="rect">
+            <a:avLst/>
+          </a:prstGeom>
+          <a:noFill/>
+        </p:spPr>
+        <p:txBody>
+          <a:bodyPr wrap="none" rtlCol="0">
+            <a:spAutoFit/>
+          </a:bodyPr>
+          <a:lstStyle/>
+          <a:p>
+            <a:r>
+              <a:rPr lang="en-US" sz="1200" dirty="0" smtClean="0"/>
+              <a:t>ESC</a:t>
+            </a:r>
+            <a:endParaRPr lang="en-US" sz="1200" dirty="0"/>
+          </a:p>
+        </p:txBody>
+      </p:sp>
+      <p:sp>
+        <p:nvSpPr>
+          <p:cNvPr id="15" name="Rectangle 14"/>
+          <p:cNvSpPr/>
+          <p:nvPr/>
+        </p:nvSpPr>
+        <p:spPr>
+          <a:xfrm>
+            <a:off x="7162800" y="2209800"/>
+            <a:ext cx="1295400" cy="685800"/>
+          </a:xfrm>
+          <a:prstGeom prst="rect">
+            <a:avLst/>
+          </a:prstGeom>
+        </p:spPr>
+        <p:style>
+          <a:lnRef idx="2">
+            <a:schemeClr val="accent1"/>
+          </a:lnRef>
+          <a:fillRef idx="1">
+            <a:schemeClr val="lt1"/>
+          </a:fillRef>
+          <a:effectRef idx="0">
+            <a:schemeClr val="accent1"/>
+          </a:effectRef>
+          <a:fontRef idx="minor">
+            <a:schemeClr val="dk1"/>
+          </a:fontRef>
+        </p:style>
+        <p:txBody>
+          <a:bodyPr rtlCol="0" anchor="ctr"/>
+          <a:lstStyle/>
+          <a:p>
+            <a:pPr algn="ctr"/>
+            <a:r>
+              <a:rPr lang="en-US" sz="1200" dirty="0" smtClean="0"/>
+              <a:t>Show Message to enter 1, 2, 3,4, ESC</a:t>
+            </a:r>
+            <a:endParaRPr lang="en-US" sz="1200" dirty="0"/>
+          </a:p>
+        </p:txBody>
+      </p:sp>
+      <p:cxnSp>
+        <p:nvCxnSpPr>
+          <p:cNvPr id="16" name="Elbow Connector 15"/>
+          <p:cNvCxnSpPr>
+            <a:stCxn id="2" idx="3"/>
+            <a:endCxn id="15" idx="0"/>
+          </p:cNvCxnSpPr>
+          <p:nvPr/>
+        </p:nvCxnSpPr>
+        <p:spPr>
+          <a:xfrm>
+            <a:off x="5311221" y="1838325"/>
+            <a:ext cx="2499279" cy="371475"/>
+          </a:xfrm>
+          <a:prstGeom prst="bentConnector2">
+            <a:avLst/>
+          </a:prstGeom>
+          <a:ln>
+            <a:tailEnd type="arrow"/>
+          </a:ln>
+        </p:spPr>
+        <p:style>
+          <a:lnRef idx="1">
+            <a:schemeClr val="accent1"/>
+          </a:lnRef>
+          <a:fillRef idx="0">
+            <a:schemeClr val="accent1"/>
+          </a:fillRef>
+          <a:effectRef idx="0">
+            <a:schemeClr val="accent1"/>
+          </a:effectRef>
+          <a:fontRef idx="minor">
+            <a:schemeClr val="tx1"/>
+          </a:fontRef>
+        </p:style>
+      </p:cxnSp>
+      <p:sp>
+        <p:nvSpPr>
+          <p:cNvPr id="21" name="TextBox 20"/>
+          <p:cNvSpPr txBox="1"/>
+          <p:nvPr/>
+        </p:nvSpPr>
+        <p:spPr>
+          <a:xfrm>
+            <a:off x="5362694" y="1524000"/>
+            <a:ext cx="1419106" cy="276999"/>
+          </a:xfrm>
+          <a:prstGeom prst="rect">
+            <a:avLst/>
+          </a:prstGeom>
+          <a:noFill/>
+        </p:spPr>
+        <p:txBody>
+          <a:bodyPr wrap="none" rtlCol="0">
+            <a:spAutoFit/>
+          </a:bodyPr>
+          <a:lstStyle/>
+          <a:p>
+            <a:r>
+              <a:rPr lang="en-US" sz="1200" dirty="0" smtClean="0"/>
+              <a:t>Not 1, 2, 3, 4 or ESC</a:t>
+            </a:r>
+            <a:endParaRPr lang="en-US" sz="1200" dirty="0"/>
+          </a:p>
+        </p:txBody>
+      </p:sp>
+      <p:sp>
+        <p:nvSpPr>
+          <p:cNvPr id="22" name="Flowchart: Decision 21"/>
+          <p:cNvSpPr/>
+          <p:nvPr/>
+        </p:nvSpPr>
+        <p:spPr>
+          <a:xfrm>
+            <a:off x="4015821" y="2686050"/>
+            <a:ext cx="1295400" cy="914400"/>
+          </a:xfrm>
+          <a:prstGeom prst="flowChartDecision">
+            <a:avLst/>
+          </a:prstGeom>
+        </p:spPr>
+        <p:style>
+          <a:lnRef idx="2">
+            <a:schemeClr val="accent1"/>
+          </a:lnRef>
+          <a:fillRef idx="1">
+            <a:schemeClr val="lt1"/>
+          </a:fillRef>
+          <a:effectRef idx="0">
+            <a:schemeClr val="accent1"/>
+          </a:effectRef>
+          <a:fontRef idx="minor">
+            <a:schemeClr val="dk1"/>
+          </a:fontRef>
+        </p:style>
+        <p:txBody>
+          <a:bodyPr rtlCol="0" anchor="ctr"/>
+          <a:lstStyle/>
+          <a:p>
+            <a:pPr algn="ctr"/>
+            <a:r>
+              <a:rPr lang="en-US" sz="1200" dirty="0" smtClean="0"/>
+              <a:t>Check If Correct?</a:t>
+            </a:r>
+            <a:endParaRPr lang="en-US" sz="1200" dirty="0"/>
+          </a:p>
+        </p:txBody>
+      </p:sp>
+      <p:cxnSp>
+        <p:nvCxnSpPr>
+          <p:cNvPr id="20" name="Elbow Connector 19"/>
+          <p:cNvCxnSpPr>
+            <a:stCxn id="2" idx="2"/>
+            <a:endCxn id="22" idx="0"/>
+          </p:cNvCxnSpPr>
+          <p:nvPr/>
+        </p:nvCxnSpPr>
+        <p:spPr>
+          <a:xfrm rot="5400000">
+            <a:off x="4468259" y="2490787"/>
+            <a:ext cx="390525" cy="12700"/>
+          </a:xfrm>
+          <a:prstGeom prst="bentConnector3">
+            <a:avLst>
+              <a:gd name="adj1" fmla="val 50000"/>
+            </a:avLst>
+          </a:prstGeom>
+          <a:ln>
+            <a:tailEnd type="arrow"/>
+          </a:ln>
+        </p:spPr>
+        <p:style>
+          <a:lnRef idx="1">
+            <a:schemeClr val="accent1"/>
+          </a:lnRef>
+          <a:fillRef idx="0">
+            <a:schemeClr val="accent1"/>
+          </a:fillRef>
+          <a:effectRef idx="0">
+            <a:schemeClr val="accent1"/>
+          </a:effectRef>
+          <a:fontRef idx="minor">
+            <a:schemeClr val="tx1"/>
+          </a:fontRef>
+        </p:style>
+      </p:cxnSp>
+      <p:sp>
+        <p:nvSpPr>
+          <p:cNvPr id="27" name="Rectangle 26"/>
+          <p:cNvSpPr/>
+          <p:nvPr/>
+        </p:nvSpPr>
+        <p:spPr>
+          <a:xfrm>
+            <a:off x="7162800" y="3567499"/>
+            <a:ext cx="1295400" cy="685800"/>
+          </a:xfrm>
+          <a:prstGeom prst="rect">
+            <a:avLst/>
+          </a:prstGeom>
+        </p:spPr>
+        <p:style>
+          <a:lnRef idx="2">
+            <a:schemeClr val="accent1"/>
+          </a:lnRef>
+          <a:fillRef idx="1">
+            <a:schemeClr val="lt1"/>
+          </a:fillRef>
+          <a:effectRef idx="0">
+            <a:schemeClr val="accent1"/>
+          </a:effectRef>
+          <a:fontRef idx="minor">
+            <a:schemeClr val="dk1"/>
+          </a:fontRef>
+        </p:style>
+        <p:txBody>
+          <a:bodyPr rtlCol="0" anchor="ctr"/>
+          <a:lstStyle/>
+          <a:p>
+            <a:pPr algn="ctr"/>
+            <a:r>
+              <a:rPr lang="en-US" sz="1200" dirty="0" smtClean="0"/>
+              <a:t>Show Message to enter 1, 2, 3,4, ESC</a:t>
+            </a:r>
+            <a:endParaRPr lang="en-US" sz="1200" dirty="0"/>
+          </a:p>
+        </p:txBody>
+      </p:sp>
+      <p:cxnSp>
+        <p:nvCxnSpPr>
+          <p:cNvPr id="26" name="Elbow Connector 25"/>
+          <p:cNvCxnSpPr>
+            <a:stCxn id="22" idx="3"/>
+            <a:endCxn id="27" idx="0"/>
+          </p:cNvCxnSpPr>
+          <p:nvPr/>
+        </p:nvCxnSpPr>
+        <p:spPr>
+          <a:xfrm>
+            <a:off x="5311221" y="3143250"/>
+            <a:ext cx="2499279" cy="424249"/>
+          </a:xfrm>
+          <a:prstGeom prst="bentConnector2">
+            <a:avLst/>
+          </a:prstGeom>
+          <a:ln>
+            <a:tailEnd type="arrow"/>
+          </a:ln>
+        </p:spPr>
+        <p:style>
+          <a:lnRef idx="1">
+            <a:schemeClr val="accent1"/>
+          </a:lnRef>
+          <a:fillRef idx="0">
+            <a:schemeClr val="accent1"/>
+          </a:fillRef>
+          <a:effectRef idx="0">
+            <a:schemeClr val="accent1"/>
+          </a:effectRef>
+          <a:fontRef idx="minor">
+            <a:schemeClr val="tx1"/>
+          </a:fontRef>
+        </p:style>
+      </p:cxnSp>
+      <p:sp>
+        <p:nvSpPr>
+          <p:cNvPr id="31" name="TextBox 30"/>
+          <p:cNvSpPr txBox="1"/>
+          <p:nvPr/>
+        </p:nvSpPr>
+        <p:spPr>
+          <a:xfrm>
+            <a:off x="5559545" y="2971800"/>
+            <a:ext cx="365806" cy="276999"/>
+          </a:xfrm>
+          <a:prstGeom prst="rect">
+            <a:avLst/>
+          </a:prstGeom>
+          <a:noFill/>
+        </p:spPr>
+        <p:txBody>
+          <a:bodyPr wrap="none" rtlCol="0">
+            <a:spAutoFit/>
+          </a:bodyPr>
+          <a:lstStyle/>
+          <a:p>
+            <a:r>
+              <a:rPr lang="en-US" sz="1200" dirty="0" smtClean="0"/>
+              <a:t>No</a:t>
+            </a:r>
+            <a:endParaRPr lang="en-US" sz="1200" dirty="0"/>
+          </a:p>
+        </p:txBody>
+      </p:sp>
+      <p:sp>
+        <p:nvSpPr>
+          <p:cNvPr id="33" name="Flowchart: Decision 32"/>
+          <p:cNvSpPr/>
+          <p:nvPr/>
+        </p:nvSpPr>
+        <p:spPr>
+          <a:xfrm>
+            <a:off x="3755330" y="3990975"/>
+            <a:ext cx="1816383" cy="914400"/>
+          </a:xfrm>
+          <a:prstGeom prst="flowChartDecision">
+            <a:avLst/>
+          </a:prstGeom>
+        </p:spPr>
+        <p:style>
+          <a:lnRef idx="2">
+            <a:schemeClr val="accent1"/>
+          </a:lnRef>
+          <a:fillRef idx="1">
+            <a:schemeClr val="lt1"/>
+          </a:fillRef>
+          <a:effectRef idx="0">
+            <a:schemeClr val="accent1"/>
+          </a:effectRef>
+          <a:fontRef idx="minor">
+            <a:schemeClr val="dk1"/>
+          </a:fontRef>
+        </p:style>
+        <p:txBody>
+          <a:bodyPr rtlCol="0" anchor="ctr"/>
+          <a:lstStyle/>
+          <a:p>
+            <a:pPr algn="ctr"/>
+            <a:r>
+              <a:rPr lang="en-US" sz="1200" dirty="0" smtClean="0"/>
+              <a:t>Solved All puzzles in the level?</a:t>
+            </a:r>
+            <a:endParaRPr lang="en-US" sz="1200" dirty="0"/>
+          </a:p>
+        </p:txBody>
+      </p:sp>
+      <p:sp>
+        <p:nvSpPr>
+          <p:cNvPr id="34" name="Rectangle 33"/>
+          <p:cNvSpPr/>
+          <p:nvPr/>
+        </p:nvSpPr>
+        <p:spPr>
+          <a:xfrm>
+            <a:off x="226481" y="6629400"/>
+            <a:ext cx="1295400" cy="685800"/>
+          </a:xfrm>
+          <a:prstGeom prst="rect">
+            <a:avLst/>
+          </a:prstGeom>
+        </p:spPr>
+        <p:style>
+          <a:lnRef idx="2">
+            <a:schemeClr val="accent1"/>
+          </a:lnRef>
+          <a:fillRef idx="1">
+            <a:schemeClr val="lt1"/>
+          </a:fillRef>
+          <a:effectRef idx="0">
+            <a:schemeClr val="accent1"/>
+          </a:effectRef>
+          <a:fontRef idx="minor">
+            <a:schemeClr val="dk1"/>
+          </a:fontRef>
+        </p:style>
+        <p:txBody>
+          <a:bodyPr rtlCol="0" anchor="ctr"/>
+          <a:lstStyle/>
+          <a:p>
+            <a:pPr algn="ctr"/>
+            <a:r>
+              <a:rPr lang="en-US" sz="1200" dirty="0" smtClean="0"/>
+              <a:t>Go to Next Puzzle</a:t>
+            </a:r>
+            <a:endParaRPr lang="en-US" sz="1200" dirty="0"/>
+          </a:p>
+        </p:txBody>
+      </p:sp>
+      <p:sp>
+        <p:nvSpPr>
+          <p:cNvPr id="35" name="Flowchart: Decision 34"/>
+          <p:cNvSpPr/>
+          <p:nvPr/>
+        </p:nvSpPr>
+        <p:spPr>
+          <a:xfrm>
+            <a:off x="4015821" y="5334000"/>
+            <a:ext cx="1295400" cy="914400"/>
+          </a:xfrm>
+          <a:prstGeom prst="flowChartDecision">
+            <a:avLst/>
+          </a:prstGeom>
+        </p:spPr>
+        <p:style>
+          <a:lnRef idx="2">
+            <a:schemeClr val="accent1"/>
+          </a:lnRef>
+          <a:fillRef idx="1">
+            <a:schemeClr val="lt1"/>
+          </a:fillRef>
+          <a:effectRef idx="0">
+            <a:schemeClr val="accent1"/>
+          </a:effectRef>
+          <a:fontRef idx="minor">
+            <a:schemeClr val="dk1"/>
+          </a:fontRef>
+        </p:style>
+        <p:txBody>
+          <a:bodyPr rtlCol="0" anchor="ctr"/>
+          <a:lstStyle/>
+          <a:p>
+            <a:pPr algn="ctr"/>
+            <a:r>
+              <a:rPr lang="en-US" sz="1200" dirty="0" smtClean="0"/>
+              <a:t>Last Level?</a:t>
+            </a:r>
+            <a:endParaRPr lang="en-US" sz="1200" dirty="0"/>
+          </a:p>
+        </p:txBody>
+      </p:sp>
+      <p:sp>
+        <p:nvSpPr>
+          <p:cNvPr id="36" name="Rectangle 35"/>
+          <p:cNvSpPr/>
+          <p:nvPr/>
+        </p:nvSpPr>
+        <p:spPr>
+          <a:xfrm>
+            <a:off x="7162800" y="6629400"/>
+            <a:ext cx="1295400" cy="685800"/>
+          </a:xfrm>
+          <a:prstGeom prst="rect">
+            <a:avLst/>
+          </a:prstGeom>
+        </p:spPr>
+        <p:style>
+          <a:lnRef idx="2">
+            <a:schemeClr val="accent1"/>
+          </a:lnRef>
+          <a:fillRef idx="1">
+            <a:schemeClr val="lt1"/>
+          </a:fillRef>
+          <a:effectRef idx="0">
+            <a:schemeClr val="accent1"/>
+          </a:effectRef>
+          <a:fontRef idx="minor">
+            <a:schemeClr val="dk1"/>
+          </a:fontRef>
+        </p:style>
+        <p:txBody>
+          <a:bodyPr rtlCol="0" anchor="ctr"/>
+          <a:lstStyle/>
+          <a:p>
+            <a:pPr algn="ctr"/>
+            <a:r>
+              <a:rPr lang="en-US" sz="1200" dirty="0" smtClean="0"/>
+              <a:t>Show Message to Game Finished</a:t>
+            </a:r>
+            <a:endParaRPr lang="en-US" sz="1200" dirty="0"/>
+          </a:p>
+        </p:txBody>
+      </p:sp>
+      <p:cxnSp>
+        <p:nvCxnSpPr>
+          <p:cNvPr id="37" name="Elbow Connector 36"/>
+          <p:cNvCxnSpPr>
+            <a:stCxn id="35" idx="3"/>
+            <a:endCxn id="36" idx="0"/>
+          </p:cNvCxnSpPr>
+          <p:nvPr/>
+        </p:nvCxnSpPr>
+        <p:spPr>
+          <a:xfrm>
+            <a:off x="5311221" y="5791200"/>
+            <a:ext cx="2499279" cy="838200"/>
+          </a:xfrm>
+          <a:prstGeom prst="bentConnector2">
+            <a:avLst/>
+          </a:prstGeom>
+          <a:ln>
+            <a:tailEnd type="arrow"/>
+          </a:ln>
+        </p:spPr>
+        <p:style>
+          <a:lnRef idx="1">
+            <a:schemeClr val="accent1"/>
+          </a:lnRef>
+          <a:fillRef idx="0">
+            <a:schemeClr val="accent1"/>
+          </a:fillRef>
+          <a:effectRef idx="0">
+            <a:schemeClr val="accent1"/>
+          </a:effectRef>
+          <a:fontRef idx="minor">
+            <a:schemeClr val="tx1"/>
+          </a:fontRef>
+        </p:style>
+      </p:cxnSp>
+      <p:sp>
+        <p:nvSpPr>
+          <p:cNvPr id="38" name="TextBox 37"/>
+          <p:cNvSpPr txBox="1"/>
+          <p:nvPr/>
+        </p:nvSpPr>
+        <p:spPr>
+          <a:xfrm>
+            <a:off x="5525347" y="5476101"/>
+            <a:ext cx="386837" cy="276999"/>
+          </a:xfrm>
+          <a:prstGeom prst="rect">
+            <a:avLst/>
+          </a:prstGeom>
+          <a:noFill/>
+        </p:spPr>
+        <p:txBody>
+          <a:bodyPr wrap="none" rtlCol="0">
+            <a:spAutoFit/>
+          </a:bodyPr>
+          <a:lstStyle/>
+          <a:p>
+            <a:r>
+              <a:rPr lang="en-US" sz="1200" dirty="0" smtClean="0"/>
+              <a:t>Yes</a:t>
+            </a:r>
+            <a:endParaRPr lang="en-US" sz="1200" dirty="0"/>
+          </a:p>
+        </p:txBody>
+      </p:sp>
+      <p:sp>
+        <p:nvSpPr>
+          <p:cNvPr id="39" name="Rectangle 38"/>
+          <p:cNvSpPr/>
+          <p:nvPr/>
+        </p:nvSpPr>
+        <p:spPr>
+          <a:xfrm>
+            <a:off x="4009471" y="6629400"/>
+            <a:ext cx="1295400" cy="685800"/>
+          </a:xfrm>
+          <a:prstGeom prst="rect">
+            <a:avLst/>
+          </a:prstGeom>
+        </p:spPr>
+        <p:style>
+          <a:lnRef idx="2">
+            <a:schemeClr val="accent1"/>
+          </a:lnRef>
+          <a:fillRef idx="1">
+            <a:schemeClr val="lt1"/>
+          </a:fillRef>
+          <a:effectRef idx="0">
+            <a:schemeClr val="accent1"/>
+          </a:effectRef>
+          <a:fontRef idx="minor">
+            <a:schemeClr val="dk1"/>
+          </a:fontRef>
+        </p:style>
+        <p:txBody>
+          <a:bodyPr rtlCol="0" anchor="ctr"/>
+          <a:lstStyle/>
+          <a:p>
+            <a:pPr algn="ctr"/>
+            <a:r>
+              <a:rPr lang="en-US" sz="1200" dirty="0" smtClean="0"/>
+              <a:t>Congratulate Completion of level</a:t>
+            </a:r>
+            <a:endParaRPr lang="en-US" sz="1200" dirty="0"/>
+          </a:p>
+        </p:txBody>
+      </p:sp>
+      <p:sp>
+        <p:nvSpPr>
+          <p:cNvPr id="40" name="Rectangle 39"/>
+          <p:cNvSpPr/>
+          <p:nvPr/>
+        </p:nvSpPr>
+        <p:spPr>
+          <a:xfrm>
+            <a:off x="2195853" y="6629400"/>
+            <a:ext cx="1295400" cy="685800"/>
+          </a:xfrm>
+          <a:prstGeom prst="rect">
+            <a:avLst/>
+          </a:prstGeom>
+        </p:spPr>
+        <p:style>
+          <a:lnRef idx="2">
+            <a:schemeClr val="accent1"/>
+          </a:lnRef>
+          <a:fillRef idx="1">
+            <a:schemeClr val="lt1"/>
+          </a:fillRef>
+          <a:effectRef idx="0">
+            <a:schemeClr val="accent1"/>
+          </a:effectRef>
+          <a:fontRef idx="minor">
+            <a:schemeClr val="dk1"/>
+          </a:fontRef>
+        </p:style>
+        <p:txBody>
+          <a:bodyPr rtlCol="0" anchor="ctr"/>
+          <a:lstStyle/>
+          <a:p>
+            <a:pPr algn="ctr"/>
+            <a:r>
+              <a:rPr lang="en-US" sz="1200" dirty="0" smtClean="0"/>
+              <a:t>Go to Next Level</a:t>
+            </a:r>
+            <a:endParaRPr lang="en-US" sz="1200" dirty="0"/>
+          </a:p>
+        </p:txBody>
+      </p:sp>
+      <p:cxnSp>
+        <p:nvCxnSpPr>
+          <p:cNvPr id="41" name="Elbow Connector 40"/>
+          <p:cNvCxnSpPr>
+            <a:stCxn id="22" idx="2"/>
+            <a:endCxn id="33" idx="0"/>
+          </p:cNvCxnSpPr>
+          <p:nvPr/>
+        </p:nvCxnSpPr>
+        <p:spPr>
+          <a:xfrm rot="16200000" flipH="1">
+            <a:off x="4468259" y="3795711"/>
+            <a:ext cx="390525" cy="1"/>
+          </a:xfrm>
+          <a:prstGeom prst="bentConnector3">
+            <a:avLst/>
+          </a:prstGeom>
+          <a:ln>
+            <a:tailEnd type="arrow"/>
+          </a:ln>
+        </p:spPr>
+        <p:style>
+          <a:lnRef idx="1">
+            <a:schemeClr val="accent1"/>
+          </a:lnRef>
+          <a:fillRef idx="0">
+            <a:schemeClr val="accent1"/>
+          </a:fillRef>
+          <a:effectRef idx="0">
+            <a:schemeClr val="accent1"/>
+          </a:effectRef>
+          <a:fontRef idx="minor">
+            <a:schemeClr val="tx1"/>
+          </a:fontRef>
+        </p:style>
+      </p:cxnSp>
+      <p:cxnSp>
+        <p:nvCxnSpPr>
+          <p:cNvPr id="43" name="Elbow Connector 42"/>
+          <p:cNvCxnSpPr>
+            <a:stCxn id="33" idx="1"/>
+            <a:endCxn id="34" idx="0"/>
+          </p:cNvCxnSpPr>
+          <p:nvPr/>
+        </p:nvCxnSpPr>
+        <p:spPr>
+          <a:xfrm rot="10800000" flipV="1">
+            <a:off x="874182" y="4448174"/>
+            <a:ext cx="2881149" cy="2181225"/>
+          </a:xfrm>
+          <a:prstGeom prst="bentConnector2">
+            <a:avLst/>
+          </a:prstGeom>
+          <a:ln>
+            <a:tailEnd type="arrow"/>
+          </a:ln>
+        </p:spPr>
+        <p:style>
+          <a:lnRef idx="1">
+            <a:schemeClr val="accent1"/>
+          </a:lnRef>
+          <a:fillRef idx="0">
+            <a:schemeClr val="accent1"/>
+          </a:fillRef>
+          <a:effectRef idx="0">
+            <a:schemeClr val="accent1"/>
+          </a:effectRef>
+          <a:fontRef idx="minor">
+            <a:schemeClr val="tx1"/>
+          </a:fontRef>
+        </p:style>
+      </p:cxnSp>
+      <p:cxnSp>
+        <p:nvCxnSpPr>
+          <p:cNvPr id="45" name="Elbow Connector 44"/>
+          <p:cNvCxnSpPr>
+            <a:stCxn id="33" idx="2"/>
+            <a:endCxn id="35" idx="0"/>
+          </p:cNvCxnSpPr>
+          <p:nvPr/>
+        </p:nvCxnSpPr>
+        <p:spPr>
+          <a:xfrm rot="5400000">
+            <a:off x="4449210" y="5119687"/>
+            <a:ext cx="428625" cy="1"/>
+          </a:xfrm>
+          <a:prstGeom prst="bentConnector3">
+            <a:avLst/>
+          </a:prstGeom>
+          <a:ln>
+            <a:tailEnd type="arrow"/>
+          </a:ln>
+        </p:spPr>
+        <p:style>
+          <a:lnRef idx="1">
+            <a:schemeClr val="accent1"/>
+          </a:lnRef>
+          <a:fillRef idx="0">
+            <a:schemeClr val="accent1"/>
+          </a:fillRef>
+          <a:effectRef idx="0">
+            <a:schemeClr val="accent1"/>
+          </a:effectRef>
+          <a:fontRef idx="minor">
+            <a:schemeClr val="tx1"/>
+          </a:fontRef>
+        </p:style>
+      </p:cxnSp>
+      <p:cxnSp>
+        <p:nvCxnSpPr>
+          <p:cNvPr id="47" name="Elbow Connector 46"/>
+          <p:cNvCxnSpPr>
+            <a:stCxn id="35" idx="2"/>
+            <a:endCxn id="39" idx="0"/>
+          </p:cNvCxnSpPr>
+          <p:nvPr/>
+        </p:nvCxnSpPr>
+        <p:spPr>
+          <a:xfrm rot="5400000">
+            <a:off x="4469846" y="6435725"/>
+            <a:ext cx="381000" cy="6350"/>
+          </a:xfrm>
+          <a:prstGeom prst="bentConnector3">
+            <a:avLst>
+              <a:gd name="adj1" fmla="val 50000"/>
+            </a:avLst>
+          </a:prstGeom>
+          <a:ln>
+            <a:tailEnd type="arrow"/>
+          </a:ln>
+        </p:spPr>
+        <p:style>
+          <a:lnRef idx="1">
+            <a:schemeClr val="accent1"/>
+          </a:lnRef>
+          <a:fillRef idx="0">
+            <a:schemeClr val="accent1"/>
+          </a:fillRef>
+          <a:effectRef idx="0">
+            <a:schemeClr val="accent1"/>
+          </a:effectRef>
+          <a:fontRef idx="minor">
+            <a:schemeClr val="tx1"/>
+          </a:fontRef>
+        </p:style>
+      </p:cxnSp>
+      <p:cxnSp>
+        <p:nvCxnSpPr>
+          <p:cNvPr id="49" name="Elbow Connector 48"/>
+          <p:cNvCxnSpPr>
+            <a:stCxn id="39" idx="1"/>
+            <a:endCxn id="40" idx="3"/>
+          </p:cNvCxnSpPr>
+          <p:nvPr/>
+        </p:nvCxnSpPr>
+        <p:spPr>
+          <a:xfrm rot="10800000">
+            <a:off x="3491253" y="6972300"/>
+            <a:ext cx="518218" cy="12700"/>
+          </a:xfrm>
+          <a:prstGeom prst="bentConnector3">
+            <a:avLst>
+              <a:gd name="adj1" fmla="val 50000"/>
+            </a:avLst>
+          </a:prstGeom>
+          <a:ln>
+            <a:tailEnd type="arrow"/>
+          </a:ln>
+        </p:spPr>
+        <p:style>
+          <a:lnRef idx="1">
+            <a:schemeClr val="accent1"/>
+          </a:lnRef>
+          <a:fillRef idx="0">
+            <a:schemeClr val="accent1"/>
+          </a:fillRef>
+          <a:effectRef idx="0">
+            <a:schemeClr val="accent1"/>
+          </a:effectRef>
+          <a:fontRef idx="minor">
+            <a:schemeClr val="tx1"/>
+          </a:fontRef>
+        </p:style>
+      </p:cxnSp>
+      <p:cxnSp>
+        <p:nvCxnSpPr>
+          <p:cNvPr id="51" name="Elbow Connector 50"/>
+          <p:cNvCxnSpPr>
+            <a:stCxn id="40" idx="1"/>
+            <a:endCxn id="34" idx="3"/>
+          </p:cNvCxnSpPr>
+          <p:nvPr/>
+        </p:nvCxnSpPr>
+        <p:spPr>
+          <a:xfrm rot="10800000">
+            <a:off x="1521881" y="6972300"/>
+            <a:ext cx="673972" cy="12700"/>
+          </a:xfrm>
+          <a:prstGeom prst="bentConnector3">
+            <a:avLst>
+              <a:gd name="adj1" fmla="val 50000"/>
+            </a:avLst>
+          </a:prstGeom>
+          <a:ln>
+            <a:tailEnd type="arrow"/>
+          </a:ln>
+        </p:spPr>
+        <p:style>
+          <a:lnRef idx="1">
+            <a:schemeClr val="accent1"/>
+          </a:lnRef>
+          <a:fillRef idx="0">
+            <a:schemeClr val="accent1"/>
+          </a:fillRef>
+          <a:effectRef idx="0">
+            <a:schemeClr val="accent1"/>
+          </a:effectRef>
+          <a:fontRef idx="minor">
+            <a:schemeClr val="tx1"/>
+          </a:fontRef>
+        </p:style>
+      </p:cxnSp>
+      <p:cxnSp>
+        <p:nvCxnSpPr>
+          <p:cNvPr id="53" name="Elbow Connector 52"/>
+          <p:cNvCxnSpPr>
+            <a:endCxn id="2" idx="0"/>
+          </p:cNvCxnSpPr>
+          <p:nvPr/>
+        </p:nvCxnSpPr>
+        <p:spPr>
+          <a:xfrm rot="5400000">
+            <a:off x="4474609" y="1185862"/>
+            <a:ext cx="384175" cy="6350"/>
+          </a:xfrm>
+          <a:prstGeom prst="bentConnector3">
+            <a:avLst>
+              <a:gd name="adj1" fmla="val 50000"/>
+            </a:avLst>
+          </a:prstGeom>
+          <a:ln>
+            <a:tailEnd type="arrow"/>
+          </a:ln>
+        </p:spPr>
+        <p:style>
+          <a:lnRef idx="1">
+            <a:schemeClr val="accent1"/>
+          </a:lnRef>
+          <a:fillRef idx="0">
+            <a:schemeClr val="accent1"/>
+          </a:fillRef>
+          <a:effectRef idx="0">
+            <a:schemeClr val="accent1"/>
+          </a:effectRef>
+          <a:fontRef idx="minor">
+            <a:schemeClr val="tx1"/>
+          </a:fontRef>
+        </p:style>
+      </p:cxnSp>
+      <p:sp>
+        <p:nvSpPr>
+          <p:cNvPr id="70" name="TextBox 69"/>
+          <p:cNvSpPr txBox="1"/>
+          <p:nvPr/>
+        </p:nvSpPr>
+        <p:spPr>
+          <a:xfrm>
+            <a:off x="4794763" y="3657211"/>
+            <a:ext cx="386837" cy="276999"/>
+          </a:xfrm>
+          <a:prstGeom prst="rect">
+            <a:avLst/>
+          </a:prstGeom>
+          <a:noFill/>
+        </p:spPr>
+        <p:txBody>
+          <a:bodyPr wrap="none" rtlCol="0">
+            <a:spAutoFit/>
+          </a:bodyPr>
+          <a:lstStyle/>
+          <a:p>
+            <a:r>
+              <a:rPr lang="en-US" sz="1200" dirty="0" smtClean="0"/>
+              <a:t>Yes</a:t>
+            </a:r>
+            <a:endParaRPr lang="en-US" sz="1200" dirty="0"/>
+          </a:p>
+        </p:txBody>
+      </p:sp>
+      <p:sp>
+        <p:nvSpPr>
+          <p:cNvPr id="71" name="TextBox 70"/>
+          <p:cNvSpPr txBox="1"/>
+          <p:nvPr/>
+        </p:nvSpPr>
+        <p:spPr>
+          <a:xfrm>
+            <a:off x="4923068" y="5018901"/>
+            <a:ext cx="386837" cy="276999"/>
+          </a:xfrm>
+          <a:prstGeom prst="rect">
+            <a:avLst/>
+          </a:prstGeom>
+          <a:noFill/>
+        </p:spPr>
+        <p:txBody>
+          <a:bodyPr wrap="none" rtlCol="0">
+            <a:spAutoFit/>
+          </a:bodyPr>
+          <a:lstStyle/>
+          <a:p>
+            <a:r>
+              <a:rPr lang="en-US" sz="1200" dirty="0" smtClean="0"/>
+              <a:t>Yes</a:t>
+            </a:r>
+            <a:endParaRPr lang="en-US" sz="1200" dirty="0"/>
+          </a:p>
+        </p:txBody>
+      </p:sp>
+      <p:sp>
+        <p:nvSpPr>
+          <p:cNvPr id="73" name="TextBox 72"/>
+          <p:cNvSpPr txBox="1"/>
+          <p:nvPr/>
+        </p:nvSpPr>
+        <p:spPr>
+          <a:xfrm>
+            <a:off x="2998447" y="4114800"/>
+            <a:ext cx="365806" cy="276999"/>
+          </a:xfrm>
+          <a:prstGeom prst="rect">
+            <a:avLst/>
+          </a:prstGeom>
+          <a:noFill/>
+        </p:spPr>
+        <p:txBody>
+          <a:bodyPr wrap="none" rtlCol="0">
+            <a:spAutoFit/>
+          </a:bodyPr>
+          <a:lstStyle/>
+          <a:p>
+            <a:r>
+              <a:rPr lang="en-US" sz="1200" dirty="0" smtClean="0"/>
+              <a:t>No</a:t>
+            </a:r>
+            <a:endParaRPr lang="en-US" sz="1200" dirty="0"/>
+          </a:p>
+        </p:txBody>
+      </p:sp>
+      <p:sp>
+        <p:nvSpPr>
+          <p:cNvPr id="79" name="TextBox 78"/>
+          <p:cNvSpPr txBox="1"/>
+          <p:nvPr/>
+        </p:nvSpPr>
+        <p:spPr>
+          <a:xfrm>
+            <a:off x="4785919" y="6300400"/>
+            <a:ext cx="365806" cy="276999"/>
+          </a:xfrm>
+          <a:prstGeom prst="rect">
+            <a:avLst/>
+          </a:prstGeom>
+          <a:noFill/>
+        </p:spPr>
+        <p:txBody>
+          <a:bodyPr wrap="none" rtlCol="0">
+            <a:spAutoFit/>
+          </a:bodyPr>
+          <a:lstStyle/>
+          <a:p>
+            <a:r>
+              <a:rPr lang="en-US" sz="1200" dirty="0" smtClean="0"/>
+              <a:t>No</a:t>
+            </a:r>
+            <a:endParaRPr lang="en-US" sz="1200" dirty="0"/>
+          </a:p>
+        </p:txBody>
+      </p:sp>
+    </p:spTree>
+    <p:extLst>
+      <p:ext uri="{BB962C8B-B14F-4D97-AF65-F5344CB8AC3E}">
+        <p14:creationId xmlns:p14="http://schemas.microsoft.com/office/powerpoint/2010/main" val="3158048806"/>
+      </p:ext>
+    </p:extLst>
+  </p:cSld>
+  <p:clrMapOvr>
+    <a:masterClrMapping/>
+  </p:clrMapOvr>
+  <p:timing>
+    <p:tnLst>
+      <p:par>
+        <p:cTn id="1" dur="indefinite" restart="never" nodeType="tmRoot"/>
+      </p:par>
+    </p:tnLst>
+  </p:timing>
 </p:sld>
 </file>
 
